--- a/07-动手开发一个根据ip显示对应城市天气的API/07-动手开发一个根据ip显示对应城市天气的API.pptx
+++ b/07-动手开发一个根据ip显示对应城市天气的API/07-动手开发一个根据ip显示对应城市天气的API.pptx
@@ -1249,7 +1249,530 @@
         <p:txBody>
           <a:bodyPr/>
           <a:p>
-            <a:endParaRPr lang="zh-CN" altLang="en-US"/>
+            <a:r>
+              <a:rPr lang="zh-CN" altLang="en-US"/>
+              <a:t>临时测试（读取文件方式，实际开发中不会使用读文件方式，会在高并发场景下阻塞 </a:t>
+            </a:r>
+            <a:r>
+              <a:rPr lang="en-US" altLang="zh-CN"/>
+              <a:t>io</a:t>
+            </a:r>
+            <a:r>
+              <a:rPr lang="zh-CN" altLang="en-US"/>
+              <a:t>）</a:t>
+            </a:r>
+            <a:endParaRPr lang="zh-CN" altLang="en-US"/>
+          </a:p>
+          <a:p>
+            <a:endParaRPr lang="zh-CN" altLang="en-US"/>
+          </a:p>
+          <a:p>
+            <a:r>
+              <a:rPr lang="en-US" altLang="zh-CN">
+                <a:sym typeface="+mn-ea"/>
+              </a:rPr>
+              <a:t>======================================city.json</a:t>
+            </a:r>
+            <a:r>
+              <a:rPr lang="en-US" altLang="zh-CN">
+                <a:sym typeface="+mn-ea"/>
+              </a:rPr>
+              <a:t>===========================================</a:t>
+            </a:r>
+            <a:endParaRPr lang="zh-CN" altLang="en-US"/>
+          </a:p>
+          <a:p>
+            <a:r>
+              <a:rPr lang="zh-CN" altLang="en-US"/>
+              <a:t>/usr/local/openresty/nginx/html</a:t>
+            </a:r>
+            <a:r>
+              <a:rPr lang="en-US" altLang="zh-CN"/>
+              <a:t>/city.json</a:t>
+            </a:r>
+            <a:endParaRPr lang="en-US" altLang="zh-CN"/>
+          </a:p>
+          <a:p>
+            <a:endParaRPr lang="en-US" altLang="zh-CN"/>
+          </a:p>
+          <a:p>
+            <a:r>
+              <a:rPr lang="zh-CN" altLang="en-US"/>
+              <a:t>内容：</a:t>
+            </a:r>
+            <a:endParaRPr lang="zh-CN" altLang="en-US"/>
+          </a:p>
+          <a:p>
+            <a:endParaRPr lang="zh-CN" altLang="en-US"/>
+          </a:p>
+          <a:p>
+            <a:r>
+              <a:rPr lang="en-US" altLang="zh-CN"/>
+              <a:t>{</a:t>
+            </a:r>
+            <a:endParaRPr lang="en-US" altLang="zh-CN"/>
+          </a:p>
+          <a:p>
+            <a:r>
+              <a:rPr lang="en-US" altLang="zh-CN"/>
+              <a:t>    "BeiJing": {</a:t>
+            </a:r>
+            <a:endParaRPr lang="en-US" altLang="zh-CN"/>
+          </a:p>
+          <a:p>
+            <a:r>
+              <a:rPr lang="en-US" altLang="zh-CN"/>
+              <a:t>        "name": "北京", </a:t>
+            </a:r>
+            <a:endParaRPr lang="en-US" altLang="zh-CN"/>
+          </a:p>
+          <a:p>
+            <a:r>
+              <a:rPr lang="en-US" altLang="zh-CN"/>
+              <a:t>        "code": "101010100"</a:t>
+            </a:r>
+            <a:endParaRPr lang="en-US" altLang="zh-CN"/>
+          </a:p>
+          <a:p>
+            <a:r>
+              <a:rPr lang="en-US" altLang="zh-CN"/>
+              <a:t>    }, </a:t>
+            </a:r>
+            <a:endParaRPr lang="en-US" altLang="zh-CN"/>
+          </a:p>
+          <a:p>
+            <a:r>
+              <a:rPr lang="en-US" altLang="zh-CN"/>
+              <a:t>    "ShangHai": {</a:t>
+            </a:r>
+            <a:endParaRPr lang="en-US" altLang="zh-CN"/>
+          </a:p>
+          <a:p>
+            <a:r>
+              <a:rPr lang="en-US" altLang="zh-CN"/>
+              <a:t>        "name": "上海", </a:t>
+            </a:r>
+            <a:endParaRPr lang="en-US" altLang="zh-CN"/>
+          </a:p>
+          <a:p>
+            <a:r>
+              <a:rPr lang="en-US" altLang="zh-CN"/>
+              <a:t>        "code": "101020100"</a:t>
+            </a:r>
+            <a:endParaRPr lang="en-US" altLang="zh-CN"/>
+          </a:p>
+          <a:p>
+            <a:r>
+              <a:rPr lang="en-US" altLang="zh-CN"/>
+              <a:t>    }, </a:t>
+            </a:r>
+            <a:endParaRPr lang="en-US" altLang="zh-CN"/>
+          </a:p>
+          <a:p>
+            <a:r>
+              <a:rPr lang="en-US" altLang="zh-CN"/>
+              <a:t>    "TianJin": {</a:t>
+            </a:r>
+            <a:endParaRPr lang="en-US" altLang="zh-CN"/>
+          </a:p>
+          <a:p>
+            <a:r>
+              <a:rPr lang="en-US" altLang="zh-CN"/>
+              <a:t>        "name": "天津", </a:t>
+            </a:r>
+            <a:endParaRPr lang="en-US" altLang="zh-CN"/>
+          </a:p>
+          <a:p>
+            <a:r>
+              <a:rPr lang="en-US" altLang="zh-CN"/>
+              <a:t>        "code": "101030100"</a:t>
+            </a:r>
+            <a:endParaRPr lang="en-US" altLang="zh-CN"/>
+          </a:p>
+          <a:p>
+            <a:r>
+              <a:rPr lang="en-US" altLang="zh-CN"/>
+              <a:t>    }, </a:t>
+            </a:r>
+            <a:endParaRPr lang="en-US" altLang="zh-CN"/>
+          </a:p>
+          <a:p>
+            <a:r>
+              <a:rPr lang="en-US" altLang="zh-CN"/>
+              <a:t>    "ChongQing": {</a:t>
+            </a:r>
+            <a:endParaRPr lang="en-US" altLang="zh-CN"/>
+          </a:p>
+          <a:p>
+            <a:r>
+              <a:rPr lang="en-US" altLang="zh-CN"/>
+              <a:t>        "name": "重庆", </a:t>
+            </a:r>
+            <a:endParaRPr lang="en-US" altLang="zh-CN"/>
+          </a:p>
+          <a:p>
+            <a:r>
+              <a:rPr lang="en-US" altLang="zh-CN"/>
+              <a:t>        "code": "101040100"</a:t>
+            </a:r>
+            <a:endParaRPr lang="en-US" altLang="zh-CN"/>
+          </a:p>
+          <a:p>
+            <a:r>
+              <a:rPr lang="en-US" altLang="zh-CN"/>
+              <a:t>    }</a:t>
+            </a:r>
+            <a:endParaRPr lang="en-US" altLang="zh-CN"/>
+          </a:p>
+          <a:p>
+            <a:r>
+              <a:rPr lang="en-US" altLang="zh-CN"/>
+              <a:t>}</a:t>
+            </a:r>
+            <a:endParaRPr lang="en-US" altLang="zh-CN"/>
+          </a:p>
+          <a:p>
+            <a:endParaRPr lang="en-US" altLang="zh-CN"/>
+          </a:p>
+          <a:p>
+            <a:r>
+              <a:rPr lang="en-US" altLang="zh-CN">
+                <a:sym typeface="+mn-ea"/>
+              </a:rPr>
+              <a:t>======================================weather.lua</a:t>
+            </a:r>
+            <a:r>
+              <a:rPr lang="zh-CN" altLang="en-US">
+                <a:sym typeface="+mn-ea"/>
+              </a:rPr>
+              <a:t>内容</a:t>
+            </a:r>
+            <a:r>
+              <a:rPr lang="en-US" altLang="zh-CN">
+                <a:sym typeface="+mn-ea"/>
+              </a:rPr>
+              <a:t>===========================================</a:t>
+            </a:r>
+            <a:endParaRPr lang="en-US" altLang="zh-CN"/>
+          </a:p>
+          <a:p>
+            <a:r>
+              <a:rPr lang="en-US" altLang="zh-CN"/>
+              <a:t>local cityEName = ngx.var.geoip_city;</a:t>
+            </a:r>
+            <a:endParaRPr lang="en-US" altLang="zh-CN"/>
+          </a:p>
+          <a:p>
+            <a:r>
+              <a:rPr lang="en-US" altLang="zh-CN"/>
+              <a:t>local getCityCode = require('get_city_code')</a:t>
+            </a:r>
+            <a:endParaRPr lang="en-US" altLang="zh-CN"/>
+          </a:p>
+          <a:p>
+            <a:r>
+              <a:rPr lang="en-US" altLang="zh-CN"/>
+              <a:t>cityCode = getCityCode(cityEName)</a:t>
+            </a:r>
+            <a:endParaRPr lang="en-US" altLang="zh-CN"/>
+          </a:p>
+          <a:p>
+            <a:r>
+              <a:rPr lang="en-US" altLang="zh-CN"/>
+              <a:t>ngx.say(cityCode)</a:t>
+            </a:r>
+            <a:endParaRPr lang="en-US" altLang="zh-CN"/>
+          </a:p>
+          <a:p>
+            <a:r>
+              <a:rPr lang="en-US" altLang="zh-CN">
+                <a:sym typeface="+mn-ea"/>
+              </a:rPr>
+              <a:t>======================================weather.lua</a:t>
+            </a:r>
+            <a:r>
+              <a:rPr lang="zh-CN" altLang="en-US">
+                <a:sym typeface="+mn-ea"/>
+              </a:rPr>
+              <a:t>内容</a:t>
+            </a:r>
+            <a:r>
+              <a:rPr lang="en-US" altLang="zh-CN">
+                <a:sym typeface="+mn-ea"/>
+              </a:rPr>
+              <a:t>===========================================</a:t>
+            </a:r>
+            <a:endParaRPr lang="en-US" altLang="zh-CN">
+              <a:sym typeface="+mn-ea"/>
+            </a:endParaRPr>
+          </a:p>
+          <a:p>
+            <a:endParaRPr lang="en-US" altLang="zh-CN">
+              <a:sym typeface="+mn-ea"/>
+            </a:endParaRPr>
+          </a:p>
+          <a:p>
+            <a:endParaRPr lang="en-US" altLang="zh-CN"/>
+          </a:p>
+          <a:p>
+            <a:r>
+              <a:rPr lang="en-US" altLang="zh-CN">
+                <a:sym typeface="+mn-ea"/>
+              </a:rPr>
+              <a:t>================================lua/lib/</a:t>
+            </a:r>
+            <a:r>
+              <a:rPr lang="en-US" altLang="zh-CN">
+                <a:sym typeface="+mn-ea"/>
+              </a:rPr>
+              <a:t>get_city_code.lua</a:t>
+            </a:r>
+            <a:r>
+              <a:rPr lang="zh-CN" altLang="en-US">
+                <a:sym typeface="+mn-ea"/>
+              </a:rPr>
+              <a:t>内容</a:t>
+            </a:r>
+            <a:r>
+              <a:rPr lang="en-US" altLang="zh-CN">
+                <a:sym typeface="+mn-ea"/>
+              </a:rPr>
+              <a:t>=========================================</a:t>
+            </a:r>
+            <a:endParaRPr lang="en-US" altLang="zh-CN"/>
+          </a:p>
+          <a:p>
+            <a:r>
+              <a:rPr lang="en-US" altLang="zh-CN"/>
+              <a:t>function getCityCodeByName(cityEName)</a:t>
+            </a:r>
+            <a:endParaRPr lang="en-US" altLang="zh-CN"/>
+          </a:p>
+          <a:p>
+            <a:r>
+              <a:rPr lang="en-US" altLang="zh-CN"/>
+              <a:t>  if cityEName==nil then</a:t>
+            </a:r>
+            <a:endParaRPr lang="en-US" altLang="zh-CN"/>
+          </a:p>
+          <a:p>
+            <a:r>
+              <a:rPr lang="en-US" altLang="zh-CN"/>
+              <a:t>    return nil</a:t>
+            </a:r>
+            <a:endParaRPr lang="en-US" altLang="zh-CN"/>
+          </a:p>
+          <a:p>
+            <a:r>
+              <a:rPr lang="en-US" altLang="zh-CN"/>
+              <a:t>  end</a:t>
+            </a:r>
+            <a:endParaRPr lang="en-US" altLang="zh-CN"/>
+          </a:p>
+          <a:p>
+            <a:endParaRPr lang="en-US" altLang="zh-CN"/>
+          </a:p>
+          <a:p>
+            <a:r>
+              <a:rPr lang="en-US" altLang="zh-CN"/>
+              <a:t>  local f = io.open('/usr/local/openresty/nginx/html/city.json','r')</a:t>
+            </a:r>
+            <a:endParaRPr lang="en-US" altLang="zh-CN"/>
+          </a:p>
+          <a:p>
+            <a:r>
+              <a:rPr lang="en-US" altLang="zh-CN"/>
+              <a:t>local fineContent = f:read("*a")</a:t>
+            </a:r>
+            <a:endParaRPr lang="en-US" altLang="zh-CN"/>
+          </a:p>
+          <a:p>
+            <a:r>
+              <a:rPr lang="en-US" altLang="zh-CN"/>
+              <a:t>f:close()</a:t>
+            </a:r>
+            <a:endParaRPr lang="en-US" altLang="zh-CN"/>
+          </a:p>
+          <a:p>
+            <a:endParaRPr lang="en-US" altLang="zh-CN"/>
+          </a:p>
+          <a:p>
+            <a:r>
+              <a:rPr lang="en-US" altLang="zh-CN"/>
+              <a:t>local cJon = require('cjson')</a:t>
+            </a:r>
+            <a:endParaRPr lang="en-US" altLang="zh-CN"/>
+          </a:p>
+          <a:p>
+            <a:endParaRPr lang="en-US" altLang="zh-CN"/>
+          </a:p>
+          <a:p>
+            <a:r>
+              <a:rPr lang="en-US" altLang="zh-CN"/>
+              <a:t>local ok = pcall(function (str) cityMap =cJon.decode(str) end ,fineContent)</a:t>
+            </a:r>
+            <a:endParaRPr lang="en-US" altLang="zh-CN"/>
+          </a:p>
+          <a:p>
+            <a:endParaRPr lang="en-US" altLang="zh-CN"/>
+          </a:p>
+          <a:p>
+            <a:r>
+              <a:rPr lang="en-US" altLang="zh-CN"/>
+              <a:t>local cityCode = nil</a:t>
+            </a:r>
+            <a:endParaRPr lang="en-US" altLang="zh-CN"/>
+          </a:p>
+          <a:p>
+            <a:endParaRPr lang="en-US" altLang="zh-CN"/>
+          </a:p>
+          <a:p>
+            <a:r>
+              <a:rPr lang="en-US" altLang="zh-CN"/>
+              <a:t>if ok then</a:t>
+            </a:r>
+            <a:endParaRPr lang="en-US" altLang="zh-CN"/>
+          </a:p>
+          <a:p>
+            <a:r>
+              <a:rPr lang="en-US" altLang="zh-CN"/>
+              <a:t>  for i,v in pairs(cityMap) do</a:t>
+            </a:r>
+            <a:endParaRPr lang="en-US" altLang="zh-CN"/>
+          </a:p>
+          <a:p>
+            <a:r>
+              <a:rPr lang="en-US" altLang="zh-CN"/>
+              <a:t>    if string.lower(i) == string.lower(cityEName) then</a:t>
+            </a:r>
+            <a:endParaRPr lang="en-US" altLang="zh-CN"/>
+          </a:p>
+          <a:p>
+            <a:r>
+              <a:rPr lang="en-US" altLang="zh-CN"/>
+              <a:t>       cityCode=v['code']</a:t>
+            </a:r>
+            <a:endParaRPr lang="en-US" altLang="zh-CN"/>
+          </a:p>
+          <a:p>
+            <a:r>
+              <a:rPr lang="en-US" altLang="zh-CN"/>
+              <a:t>    end</a:t>
+            </a:r>
+            <a:endParaRPr lang="en-US" altLang="zh-CN"/>
+          </a:p>
+          <a:p>
+            <a:r>
+              <a:rPr lang="en-US" altLang="zh-CN"/>
+              <a:t>  end</a:t>
+            </a:r>
+            <a:endParaRPr lang="en-US" altLang="zh-CN"/>
+          </a:p>
+          <a:p>
+            <a:r>
+              <a:rPr lang="en-US" altLang="zh-CN"/>
+              <a:t>end</a:t>
+            </a:r>
+            <a:endParaRPr lang="en-US" altLang="zh-CN"/>
+          </a:p>
+          <a:p>
+            <a:r>
+              <a:rPr lang="en-US" altLang="zh-CN"/>
+              <a:t>return cityCode</a:t>
+            </a:r>
+            <a:endParaRPr lang="en-US" altLang="zh-CN"/>
+          </a:p>
+          <a:p>
+            <a:r>
+              <a:rPr lang="en-US" altLang="zh-CN"/>
+              <a:t>end</a:t>
+            </a:r>
+            <a:endParaRPr lang="en-US" altLang="zh-CN"/>
+          </a:p>
+          <a:p>
+            <a:endParaRPr lang="en-US" altLang="zh-CN"/>
+          </a:p>
+          <a:p>
+            <a:r>
+              <a:rPr lang="en-US" altLang="zh-CN"/>
+              <a:t>return getCityCodeByName</a:t>
+            </a:r>
+            <a:endParaRPr lang="en-US" altLang="zh-CN"/>
+          </a:p>
+          <a:p>
+            <a:endParaRPr lang="en-US" altLang="zh-CN"/>
+          </a:p>
+          <a:p>
+            <a:r>
+              <a:rPr lang="en-US" altLang="zh-CN">
+                <a:sym typeface="+mn-ea"/>
+              </a:rPr>
+              <a:t>==============================lua/lib/</a:t>
+            </a:r>
+            <a:r>
+              <a:rPr lang="en-US" altLang="zh-CN">
+                <a:sym typeface="+mn-ea"/>
+              </a:rPr>
+              <a:t>get_city_code.lua</a:t>
+            </a:r>
+            <a:r>
+              <a:rPr lang="zh-CN" altLang="en-US">
+                <a:sym typeface="+mn-ea"/>
+              </a:rPr>
+              <a:t>内容</a:t>
+            </a:r>
+            <a:r>
+              <a:rPr lang="en-US" altLang="zh-CN">
+                <a:sym typeface="+mn-ea"/>
+              </a:rPr>
+              <a:t>========================================</a:t>
+            </a:r>
+            <a:endParaRPr lang="en-US" altLang="zh-CN"/>
+          </a:p>
+          <a:p>
+            <a:endParaRPr lang="en-US" altLang="zh-CN"/>
+          </a:p>
+          <a:p>
+            <a:endParaRPr lang="en-US" altLang="zh-CN"/>
+          </a:p>
+          <a:p>
+            <a:r>
+              <a:rPr lang="en-US" altLang="zh-CN"/>
+              <a:t>=============================nginx.conf </a:t>
+            </a:r>
+            <a:r>
+              <a:rPr lang="zh-CN" altLang="en-US"/>
+              <a:t>修改 </a:t>
+            </a:r>
+            <a:r>
+              <a:rPr lang="en-US" altLang="zh-CN"/>
+              <a:t>LUA_PATH</a:t>
+            </a:r>
+            <a:r>
+              <a:rPr lang="zh-CN" altLang="en-US"/>
+              <a:t>路径</a:t>
+            </a:r>
+            <a:r>
+              <a:rPr lang="en-US" altLang="zh-CN"/>
+              <a:t>=======================================</a:t>
+            </a:r>
+            <a:endParaRPr lang="en-US" altLang="zh-CN"/>
+          </a:p>
+          <a:p>
+            <a:r>
+              <a:rPr lang="en-US" altLang="zh-CN"/>
+              <a:t> lua_package_path '/usr/local/openresty/nginx/lua/lib/?.lua;;';</a:t>
+            </a:r>
+            <a:endParaRPr lang="en-US" altLang="zh-CN"/>
+          </a:p>
+          <a:p>
+            <a:endParaRPr lang="en-US" altLang="zh-CN"/>
+          </a:p>
+          <a:p>
+            <a:endParaRPr lang="en-US" altLang="zh-CN"/>
+          </a:p>
+          <a:p>
+            <a:endParaRPr lang="en-US" altLang="zh-CN"/>
           </a:p>
         </p:txBody>
       </p:sp>
@@ -1262,6 +1785,1625 @@
 </file>
 
 <file path=ppt/notesSlides/notesSlide3.xml><?xml version="1.0" encoding="utf-8"?>
+<p:notes xmlns:a="http://schemas.openxmlformats.org/drawingml/2006/main" xmlns:r="http://schemas.openxmlformats.org/officeDocument/2006/relationships" xmlns:p="http://schemas.openxmlformats.org/presentationml/2006/main">
+  <p:cSld>
+    <p:spTree>
+      <p:nvGrpSpPr>
+        <p:cNvPr id="1" name=""/>
+        <p:cNvGrpSpPr/>
+        <p:nvPr/>
+      </p:nvGrpSpPr>
+      <p:grpSpPr/>
+      <p:sp>
+        <p:nvSpPr>
+          <p:cNvPr id="2" name="幻灯片图像占位符 1"/>
+          <p:cNvSpPr/>
+          <p:nvPr>
+            <p:ph type="sldImg"/>
+          </p:nvPr>
+        </p:nvSpPr>
+        <p:spPr/>
+      </p:sp>
+      <p:sp>
+        <p:nvSpPr>
+          <p:cNvPr id="3" name="文本占位符 2"/>
+          <p:cNvSpPr/>
+          <p:nvPr>
+            <p:ph type="body" idx="1"/>
+          </p:nvPr>
+        </p:nvSpPr>
+        <p:spPr/>
+        <p:txBody>
+          <a:bodyPr/>
+          <a:p>
+            <a:endParaRPr lang="zh-CN" altLang="en-US"/>
+          </a:p>
+          <a:p>
+            <a:r>
+              <a:rPr lang="en-US" altLang="zh-CN"/>
+              <a:t>=================================nginx.</a:t>
+            </a:r>
+            <a:r>
+              <a:rPr lang="en-US" altLang="zh-CN">
+                <a:ea typeface="宋体" panose="02010600030101010101" pitchFamily="2" charset="-122"/>
+              </a:rPr>
+              <a:t>conf</a:t>
+            </a:r>
+            <a:r>
+              <a:rPr lang="zh-CN" altLang="en-US">
+                <a:ea typeface="宋体" panose="02010600030101010101" pitchFamily="2" charset="-122"/>
+              </a:rPr>
+              <a:t>配置</a:t>
+            </a:r>
+            <a:r>
+              <a:rPr lang="en-US" altLang="zh-CN"/>
+              <a:t>====================================</a:t>
+            </a:r>
+            <a:endParaRPr lang="en-US" altLang="zh-CN"/>
+          </a:p>
+          <a:p>
+            <a:endParaRPr lang="en-US" altLang="zh-CN"/>
+          </a:p>
+          <a:p>
+            <a:r>
+              <a:rPr lang="en-US" altLang="zh-CN"/>
+              <a:t>   location /weather_internal {</a:t>
+            </a:r>
+            <a:endParaRPr lang="en-US" altLang="zh-CN"/>
+          </a:p>
+          <a:p>
+            <a:r>
+              <a:rPr lang="en-US" altLang="zh-CN"/>
+              <a:t>           internal;</a:t>
+            </a:r>
+            <a:endParaRPr lang="en-US" altLang="zh-CN"/>
+          </a:p>
+          <a:p>
+            <a:r>
+              <a:rPr lang="en-US" altLang="zh-CN"/>
+              <a:t>           resolver 114.114.114.114;</a:t>
+            </a:r>
+            <a:endParaRPr lang="en-US" altLang="zh-CN"/>
+          </a:p>
+          <a:p>
+            <a:r>
+              <a:rPr lang="en-US" altLang="zh-CN"/>
+              <a:t>           proxy_set_header Accept-Encoding '';</a:t>
+            </a:r>
+            <a:endParaRPr lang="en-US" altLang="zh-CN"/>
+          </a:p>
+          <a:p>
+            <a:r>
+              <a:rPr lang="en-US" altLang="zh-CN"/>
+              <a:t>           proxy_pass "http://www.weather.com.cn/data/sk/$arg_cityCode.html";</a:t>
+            </a:r>
+            <a:endParaRPr lang="en-US" altLang="zh-CN"/>
+          </a:p>
+          <a:p>
+            <a:r>
+              <a:rPr lang="en-US" altLang="zh-CN"/>
+              <a:t>        }</a:t>
+            </a:r>
+            <a:endParaRPr lang="en-US" altLang="zh-CN"/>
+          </a:p>
+          <a:p>
+            <a:r>
+              <a:rPr lang="en-US" altLang="zh-CN">
+                <a:sym typeface="+mn-ea"/>
+              </a:rPr>
+              <a:t>=================================nginx.</a:t>
+            </a:r>
+            <a:r>
+              <a:rPr lang="en-US" altLang="zh-CN">
+                <a:ea typeface="宋体" panose="02010600030101010101" pitchFamily="2" charset="-122"/>
+                <a:sym typeface="+mn-ea"/>
+              </a:rPr>
+              <a:t>conf</a:t>
+            </a:r>
+            <a:r>
+              <a:rPr lang="zh-CN" altLang="en-US">
+                <a:ea typeface="宋体" panose="02010600030101010101" pitchFamily="2" charset="-122"/>
+                <a:sym typeface="+mn-ea"/>
+              </a:rPr>
+              <a:t>配置</a:t>
+            </a:r>
+            <a:r>
+              <a:rPr lang="en-US" altLang="zh-CN">
+                <a:sym typeface="+mn-ea"/>
+              </a:rPr>
+              <a:t>====================================</a:t>
+            </a:r>
+            <a:endParaRPr lang="en-US" altLang="zh-CN">
+              <a:sym typeface="+mn-ea"/>
+            </a:endParaRPr>
+          </a:p>
+          <a:p>
+            <a:endParaRPr lang="en-US" altLang="zh-CN">
+              <a:sym typeface="+mn-ea"/>
+            </a:endParaRPr>
+          </a:p>
+          <a:p>
+            <a:r>
+              <a:rPr lang="en-US" altLang="zh-CN">
+                <a:sym typeface="+mn-ea"/>
+              </a:rPr>
+              <a:t>=================================weather.lua</a:t>
+            </a:r>
+            <a:r>
+              <a:rPr lang="zh-CN" altLang="en-US">
+                <a:sym typeface="+mn-ea"/>
+              </a:rPr>
+              <a:t>内容</a:t>
+            </a:r>
+            <a:r>
+              <a:rPr lang="en-US" altLang="zh-CN">
+                <a:sym typeface="+mn-ea"/>
+              </a:rPr>
+              <a:t>====================================</a:t>
+            </a:r>
+            <a:endParaRPr lang="zh-CN" altLang="en-US"/>
+          </a:p>
+          <a:p>
+            <a:endParaRPr lang="zh-CN" altLang="en-US"/>
+          </a:p>
+          <a:p>
+            <a:r>
+              <a:rPr lang="zh-CN" altLang="en-US"/>
+              <a:t>local cityEName = ngx.var.geoip_city;</a:t>
+            </a:r>
+            <a:endParaRPr lang="zh-CN" altLang="en-US"/>
+          </a:p>
+          <a:p>
+            <a:endParaRPr lang="zh-CN" altLang="en-US"/>
+          </a:p>
+          <a:p>
+            <a:r>
+              <a:rPr lang="zh-CN" altLang="en-US"/>
+              <a:t>local getPrams = ngx.req.get_uri_args()</a:t>
+            </a:r>
+            <a:endParaRPr lang="zh-CN" altLang="en-US"/>
+          </a:p>
+          <a:p>
+            <a:endParaRPr lang="zh-CN" altLang="en-US"/>
+          </a:p>
+          <a:p>
+            <a:r>
+              <a:rPr lang="zh-CN" altLang="en-US"/>
+              <a:t>if getPrams['cityName'] ~=nil then</a:t>
+            </a:r>
+            <a:endParaRPr lang="zh-CN" altLang="en-US"/>
+          </a:p>
+          <a:p>
+            <a:r>
+              <a:rPr lang="zh-CN" altLang="en-US"/>
+              <a:t>  cityEName = getPrams['cityName']</a:t>
+            </a:r>
+            <a:endParaRPr lang="zh-CN" altLang="en-US"/>
+          </a:p>
+          <a:p>
+            <a:r>
+              <a:rPr lang="zh-CN" altLang="en-US"/>
+              <a:t>end</a:t>
+            </a:r>
+            <a:endParaRPr lang="zh-CN" altLang="en-US"/>
+          </a:p>
+          <a:p>
+            <a:endParaRPr lang="zh-CN" altLang="en-US"/>
+          </a:p>
+          <a:p>
+            <a:r>
+              <a:rPr lang="zh-CN" altLang="en-US"/>
+              <a:t>local getCityCode = require('get_city_code')</a:t>
+            </a:r>
+            <a:endParaRPr lang="zh-CN" altLang="en-US"/>
+          </a:p>
+          <a:p>
+            <a:endParaRPr lang="zh-CN" altLang="en-US"/>
+          </a:p>
+          <a:p>
+            <a:r>
+              <a:rPr lang="zh-CN" altLang="en-US"/>
+              <a:t>cityCode = getCityCode(cityEName)</a:t>
+            </a:r>
+            <a:endParaRPr lang="zh-CN" altLang="en-US"/>
+          </a:p>
+          <a:p>
+            <a:endParaRPr lang="zh-CN" altLang="en-US"/>
+          </a:p>
+          <a:p>
+            <a:r>
+              <a:rPr lang="zh-CN" altLang="en-US"/>
+              <a:t>if cityCode == nil then</a:t>
+            </a:r>
+            <a:endParaRPr lang="zh-CN" altLang="en-US"/>
+          </a:p>
+          <a:p>
+            <a:r>
+              <a:rPr lang="zh-CN" altLang="en-US"/>
+              <a:t>  cityCode = 101020100</a:t>
+            </a:r>
+            <a:endParaRPr lang="zh-CN" altLang="en-US"/>
+          </a:p>
+          <a:p>
+            <a:r>
+              <a:rPr lang="zh-CN" altLang="en-US"/>
+              <a:t>end</a:t>
+            </a:r>
+            <a:endParaRPr lang="zh-CN" altLang="en-US"/>
+          </a:p>
+          <a:p>
+            <a:endParaRPr lang="zh-CN" altLang="en-US"/>
+          </a:p>
+          <a:p>
+            <a:r>
+              <a:rPr lang="zh-CN" altLang="en-US"/>
+              <a:t>local req = ngx.location.capture('/weather_internal',{</a:t>
+            </a:r>
+            <a:endParaRPr lang="zh-CN" altLang="en-US"/>
+          </a:p>
+          <a:p>
+            <a:r>
+              <a:rPr lang="zh-CN" altLang="en-US"/>
+              <a:t>   args={</a:t>
+            </a:r>
+            <a:endParaRPr lang="zh-CN" altLang="en-US"/>
+          </a:p>
+          <a:p>
+            <a:r>
+              <a:rPr lang="zh-CN" altLang="en-US"/>
+              <a:t>    cityCode=cityCode</a:t>
+            </a:r>
+            <a:endParaRPr lang="zh-CN" altLang="en-US"/>
+          </a:p>
+          <a:p>
+            <a:r>
+              <a:rPr lang="zh-CN" altLang="en-US"/>
+              <a:t>    }</a:t>
+            </a:r>
+            <a:endParaRPr lang="zh-CN" altLang="en-US"/>
+          </a:p>
+          <a:p>
+            <a:r>
+              <a:rPr lang="zh-CN" altLang="en-US"/>
+              <a:t>})</a:t>
+            </a:r>
+            <a:endParaRPr lang="zh-CN" altLang="en-US"/>
+          </a:p>
+          <a:p>
+            <a:endParaRPr lang="zh-CN" altLang="en-US"/>
+          </a:p>
+          <a:p>
+            <a:r>
+              <a:rPr lang="zh-CN" altLang="en-US"/>
+              <a:t>ngx.say(req.body)</a:t>
+            </a:r>
+            <a:endParaRPr lang="zh-CN" altLang="en-US"/>
+          </a:p>
+          <a:p>
+            <a:r>
+              <a:rPr lang="en-US" altLang="zh-CN">
+                <a:sym typeface="+mn-ea"/>
+              </a:rPr>
+              <a:t>=================================weather.lua</a:t>
+            </a:r>
+            <a:r>
+              <a:rPr lang="zh-CN" altLang="en-US">
+                <a:sym typeface="+mn-ea"/>
+              </a:rPr>
+              <a:t>内容</a:t>
+            </a:r>
+            <a:r>
+              <a:rPr lang="en-US" altLang="zh-CN">
+                <a:sym typeface="+mn-ea"/>
+              </a:rPr>
+              <a:t>====================================</a:t>
+            </a:r>
+            <a:endParaRPr lang="en-US" altLang="zh-CN"/>
+          </a:p>
+          <a:p>
+            <a:endParaRPr lang="en-US" altLang="zh-CN"/>
+          </a:p>
+          <a:p>
+            <a:r>
+              <a:rPr lang="en-US" altLang="zh-CN">
+                <a:sym typeface="+mn-ea"/>
+              </a:rPr>
+              <a:t>=====================lua/lib/get_city_code.lua</a:t>
+            </a:r>
+            <a:r>
+              <a:rPr lang="zh-CN" altLang="en-US">
+                <a:sym typeface="+mn-ea"/>
+              </a:rPr>
+              <a:t>内容</a:t>
+            </a:r>
+            <a:r>
+              <a:rPr lang="en-US" altLang="zh-CN">
+                <a:sym typeface="+mn-ea"/>
+              </a:rPr>
+              <a:t>=================================</a:t>
+            </a:r>
+            <a:endParaRPr lang="en-US" altLang="zh-CN"/>
+          </a:p>
+          <a:p>
+            <a:endParaRPr lang="en-US" altLang="zh-CN"/>
+          </a:p>
+          <a:p>
+            <a:r>
+              <a:rPr lang="en-US" altLang="zh-CN"/>
+              <a:t>function getCityCodeByName(cityEName)</a:t>
+            </a:r>
+            <a:endParaRPr lang="en-US" altLang="zh-CN"/>
+          </a:p>
+          <a:p>
+            <a:r>
+              <a:rPr lang="en-US" altLang="zh-CN"/>
+              <a:t>  if cityEName==nil then</a:t>
+            </a:r>
+            <a:endParaRPr lang="en-US" altLang="zh-CN"/>
+          </a:p>
+          <a:p>
+            <a:r>
+              <a:rPr lang="en-US" altLang="zh-CN"/>
+              <a:t>    return nil</a:t>
+            </a:r>
+            <a:endParaRPr lang="en-US" altLang="zh-CN"/>
+          </a:p>
+          <a:p>
+            <a:r>
+              <a:rPr lang="en-US" altLang="zh-CN"/>
+              <a:t>  end</a:t>
+            </a:r>
+            <a:endParaRPr lang="en-US" altLang="zh-CN"/>
+          </a:p>
+          <a:p>
+            <a:endParaRPr lang="en-US" altLang="zh-CN"/>
+          </a:p>
+          <a:p>
+            <a:r>
+              <a:rPr lang="en-US" altLang="zh-CN"/>
+              <a:t>  local f = io.open('/usr/local/openresty/nginx/html/city.json','r')</a:t>
+            </a:r>
+            <a:endParaRPr lang="en-US" altLang="zh-CN"/>
+          </a:p>
+          <a:p>
+            <a:r>
+              <a:rPr lang="en-US" altLang="zh-CN"/>
+              <a:t>local fineContent = f:read("*a")</a:t>
+            </a:r>
+            <a:endParaRPr lang="en-US" altLang="zh-CN"/>
+          </a:p>
+          <a:p>
+            <a:r>
+              <a:rPr lang="en-US" altLang="zh-CN"/>
+              <a:t>f:close()</a:t>
+            </a:r>
+            <a:endParaRPr lang="en-US" altLang="zh-CN"/>
+          </a:p>
+          <a:p>
+            <a:endParaRPr lang="en-US" altLang="zh-CN"/>
+          </a:p>
+          <a:p>
+            <a:r>
+              <a:rPr lang="en-US" altLang="zh-CN"/>
+              <a:t>local cJon = require('cjson')</a:t>
+            </a:r>
+            <a:endParaRPr lang="en-US" altLang="zh-CN"/>
+          </a:p>
+          <a:p>
+            <a:endParaRPr lang="en-US" altLang="zh-CN"/>
+          </a:p>
+          <a:p>
+            <a:r>
+              <a:rPr lang="en-US" altLang="zh-CN"/>
+              <a:t>local ok = pcall(function (str) cityMap =cJon.decode(str) end ,fineContent)</a:t>
+            </a:r>
+            <a:endParaRPr lang="en-US" altLang="zh-CN"/>
+          </a:p>
+          <a:p>
+            <a:endParaRPr lang="en-US" altLang="zh-CN"/>
+          </a:p>
+          <a:p>
+            <a:r>
+              <a:rPr lang="en-US" altLang="zh-CN"/>
+              <a:t>local cityCode = nil</a:t>
+            </a:r>
+            <a:endParaRPr lang="en-US" altLang="zh-CN"/>
+          </a:p>
+          <a:p>
+            <a:endParaRPr lang="en-US" altLang="zh-CN"/>
+          </a:p>
+          <a:p>
+            <a:r>
+              <a:rPr lang="en-US" altLang="zh-CN"/>
+              <a:t>if ok then</a:t>
+            </a:r>
+            <a:endParaRPr lang="en-US" altLang="zh-CN"/>
+          </a:p>
+          <a:p>
+            <a:r>
+              <a:rPr lang="en-US" altLang="zh-CN"/>
+              <a:t>  for i,v in pairs(cityMap) do</a:t>
+            </a:r>
+            <a:endParaRPr lang="en-US" altLang="zh-CN"/>
+          </a:p>
+          <a:p>
+            <a:r>
+              <a:rPr lang="en-US" altLang="zh-CN"/>
+              <a:t>    if string.lower(i) == string.lower(cityEName) then</a:t>
+            </a:r>
+            <a:endParaRPr lang="en-US" altLang="zh-CN"/>
+          </a:p>
+          <a:p>
+            <a:r>
+              <a:rPr lang="en-US" altLang="zh-CN"/>
+              <a:t>       cityCode=v['code']</a:t>
+            </a:r>
+            <a:endParaRPr lang="en-US" altLang="zh-CN"/>
+          </a:p>
+          <a:p>
+            <a:r>
+              <a:rPr lang="en-US" altLang="zh-CN"/>
+              <a:t>    end</a:t>
+            </a:r>
+            <a:endParaRPr lang="en-US" altLang="zh-CN"/>
+          </a:p>
+          <a:p>
+            <a:r>
+              <a:rPr lang="en-US" altLang="zh-CN"/>
+              <a:t>  end</a:t>
+            </a:r>
+            <a:endParaRPr lang="en-US" altLang="zh-CN"/>
+          </a:p>
+          <a:p>
+            <a:r>
+              <a:rPr lang="en-US" altLang="zh-CN"/>
+              <a:t>end</a:t>
+            </a:r>
+            <a:endParaRPr lang="en-US" altLang="zh-CN"/>
+          </a:p>
+          <a:p>
+            <a:r>
+              <a:rPr lang="en-US" altLang="zh-CN"/>
+              <a:t>return cityCode</a:t>
+            </a:r>
+            <a:endParaRPr lang="en-US" altLang="zh-CN"/>
+          </a:p>
+          <a:p>
+            <a:r>
+              <a:rPr lang="en-US" altLang="zh-CN"/>
+              <a:t>end</a:t>
+            </a:r>
+            <a:endParaRPr lang="en-US" altLang="zh-CN"/>
+          </a:p>
+          <a:p>
+            <a:endParaRPr lang="en-US" altLang="zh-CN"/>
+          </a:p>
+          <a:p>
+            <a:r>
+              <a:rPr lang="en-US" altLang="zh-CN"/>
+              <a:t>return getCityCodeByName</a:t>
+            </a:r>
+            <a:endParaRPr lang="en-US" altLang="zh-CN"/>
+          </a:p>
+          <a:p>
+            <a:r>
+              <a:rPr lang="en-US" altLang="zh-CN">
+                <a:sym typeface="+mn-ea"/>
+              </a:rPr>
+              <a:t>=====================lua/lib/get_city_code.lua</a:t>
+            </a:r>
+            <a:r>
+              <a:rPr lang="zh-CN" altLang="en-US">
+                <a:sym typeface="+mn-ea"/>
+              </a:rPr>
+              <a:t>内容</a:t>
+            </a:r>
+            <a:r>
+              <a:rPr lang="en-US" altLang="zh-CN">
+                <a:sym typeface="+mn-ea"/>
+              </a:rPr>
+              <a:t>=================================</a:t>
+            </a:r>
+            <a:endParaRPr lang="en-US" altLang="zh-CN"/>
+          </a:p>
+          <a:p>
+            <a:r>
+              <a:rPr lang="en-US" altLang="zh-CN">
+                <a:sym typeface="+mn-ea"/>
+              </a:rPr>
+              <a:t>=================================</a:t>
+            </a:r>
+            <a:r>
+              <a:rPr lang="zh-CN" altLang="en-US">
+                <a:sym typeface="+mn-ea"/>
+              </a:rPr>
+              <a:t>测试：</a:t>
+            </a:r>
+            <a:r>
+              <a:rPr lang="en-US" altLang="zh-CN">
+                <a:sym typeface="+mn-ea"/>
+              </a:rPr>
+              <a:t>====================================</a:t>
+            </a:r>
+            <a:endParaRPr lang="en-US" altLang="zh-CN"/>
+          </a:p>
+          <a:p>
+            <a:r>
+              <a:rPr lang="zh-CN" altLang="en-US"/>
+              <a:t>测试：</a:t>
+            </a:r>
+            <a:endParaRPr lang="zh-CN" altLang="en-US"/>
+          </a:p>
+          <a:p>
+            <a:r>
+              <a:rPr lang="zh-CN" altLang="en-US"/>
+              <a:t>http://</a:t>
+            </a:r>
+            <a:r>
+              <a:rPr lang="en-US" altLang="zh-CN"/>
+              <a:t>127.0.0.1</a:t>
+            </a:r>
+            <a:r>
+              <a:rPr lang="zh-CN" altLang="en-US"/>
+              <a:t>/weather?cityName=tianjin</a:t>
+            </a:r>
+            <a:endParaRPr lang="zh-CN" altLang="en-US"/>
+          </a:p>
+        </p:txBody>
+      </p:sp>
+    </p:spTree>
+  </p:cSld>
+  <p:clrMapOvr>
+    <a:masterClrMapping/>
+  </p:clrMapOvr>
+</p:notes>
+</file>
+
+<file path=ppt/notesSlides/notesSlide4.xml><?xml version="1.0" encoding="utf-8"?>
+<p:notes xmlns:a="http://schemas.openxmlformats.org/drawingml/2006/main" xmlns:r="http://schemas.openxmlformats.org/officeDocument/2006/relationships" xmlns:p="http://schemas.openxmlformats.org/presentationml/2006/main">
+  <p:cSld>
+    <p:spTree>
+      <p:nvGrpSpPr>
+        <p:cNvPr id="1" name=""/>
+        <p:cNvGrpSpPr/>
+        <p:nvPr/>
+      </p:nvGrpSpPr>
+      <p:grpSpPr/>
+      <p:sp>
+        <p:nvSpPr>
+          <p:cNvPr id="2" name="幻灯片图像占位符 1"/>
+          <p:cNvSpPr/>
+          <p:nvPr>
+            <p:ph type="sldImg"/>
+          </p:nvPr>
+        </p:nvSpPr>
+        <p:spPr/>
+      </p:sp>
+      <p:sp>
+        <p:nvSpPr>
+          <p:cNvPr id="3" name="文本占位符 2"/>
+          <p:cNvSpPr/>
+          <p:nvPr>
+            <p:ph type="body" idx="1"/>
+          </p:nvPr>
+        </p:nvSpPr>
+        <p:spPr/>
+        <p:txBody>
+          <a:bodyPr/>
+          <a:p>
+            <a:endParaRPr lang="zh-CN" altLang="en-US"/>
+          </a:p>
+          <a:p>
+            <a:endParaRPr lang="zh-CN" altLang="en-US"/>
+          </a:p>
+          <a:p>
+            <a:r>
+              <a:rPr lang="en-US" altLang="zh-CN">
+                <a:sym typeface="+mn-ea"/>
+              </a:rPr>
+              <a:t>=================================weather.lua</a:t>
+            </a:r>
+            <a:r>
+              <a:rPr lang="zh-CN" altLang="en-US">
+                <a:sym typeface="+mn-ea"/>
+              </a:rPr>
+              <a:t>内容</a:t>
+            </a:r>
+            <a:r>
+              <a:rPr lang="en-US" altLang="zh-CN">
+                <a:sym typeface="+mn-ea"/>
+              </a:rPr>
+              <a:t>====================================</a:t>
+            </a:r>
+            <a:endParaRPr lang="en-US" altLang="zh-CN">
+              <a:sym typeface="+mn-ea"/>
+            </a:endParaRPr>
+          </a:p>
+          <a:p>
+            <a:endParaRPr lang="zh-CN" altLang="en-US"/>
+          </a:p>
+          <a:p>
+            <a:r>
+              <a:rPr lang="zh-CN" altLang="en-US"/>
+              <a:t>local cityEName = ngx.var.geoip_city;</a:t>
+            </a:r>
+            <a:endParaRPr lang="zh-CN" altLang="en-US"/>
+          </a:p>
+          <a:p>
+            <a:endParaRPr lang="zh-CN" altLang="en-US"/>
+          </a:p>
+          <a:p>
+            <a:r>
+              <a:rPr lang="zh-CN" altLang="en-US"/>
+              <a:t>local getPrams = ngx.req.get_uri_args()</a:t>
+            </a:r>
+            <a:endParaRPr lang="zh-CN" altLang="en-US"/>
+          </a:p>
+          <a:p>
+            <a:endParaRPr lang="zh-CN" altLang="en-US"/>
+          </a:p>
+          <a:p>
+            <a:r>
+              <a:rPr lang="zh-CN" altLang="en-US"/>
+              <a:t>if getPrams['cityName'] ~=nil then</a:t>
+            </a:r>
+            <a:endParaRPr lang="zh-CN" altLang="en-US"/>
+          </a:p>
+          <a:p>
+            <a:r>
+              <a:rPr lang="zh-CN" altLang="en-US"/>
+              <a:t>  cityEName = getPrams['cityName']</a:t>
+            </a:r>
+            <a:endParaRPr lang="zh-CN" altLang="en-US"/>
+          </a:p>
+          <a:p>
+            <a:r>
+              <a:rPr lang="zh-CN" altLang="en-US"/>
+              <a:t>end</a:t>
+            </a:r>
+            <a:endParaRPr lang="zh-CN" altLang="en-US"/>
+          </a:p>
+          <a:p>
+            <a:endParaRPr lang="zh-CN" altLang="en-US"/>
+          </a:p>
+          <a:p>
+            <a:r>
+              <a:rPr lang="zh-CN" altLang="en-US"/>
+              <a:t>local getCityCode = require('get_city_code')</a:t>
+            </a:r>
+            <a:endParaRPr lang="zh-CN" altLang="en-US"/>
+          </a:p>
+          <a:p>
+            <a:endParaRPr lang="zh-CN" altLang="en-US"/>
+          </a:p>
+          <a:p>
+            <a:r>
+              <a:rPr lang="zh-CN" altLang="en-US"/>
+              <a:t>cityCode = getCityCode(cityEName)</a:t>
+            </a:r>
+            <a:endParaRPr lang="zh-CN" altLang="en-US"/>
+          </a:p>
+          <a:p>
+            <a:endParaRPr lang="zh-CN" altLang="en-US"/>
+          </a:p>
+          <a:p>
+            <a:r>
+              <a:rPr lang="zh-CN" altLang="en-US"/>
+              <a:t>if cityCode == nil then</a:t>
+            </a:r>
+            <a:endParaRPr lang="zh-CN" altLang="en-US"/>
+          </a:p>
+          <a:p>
+            <a:r>
+              <a:rPr lang="zh-CN" altLang="en-US"/>
+              <a:t>  cityCode = 101020100</a:t>
+            </a:r>
+            <a:endParaRPr lang="zh-CN" altLang="en-US"/>
+          </a:p>
+          <a:p>
+            <a:r>
+              <a:rPr lang="zh-CN" altLang="en-US"/>
+              <a:t>end</a:t>
+            </a:r>
+            <a:endParaRPr lang="zh-CN" altLang="en-US"/>
+          </a:p>
+          <a:p>
+            <a:endParaRPr lang="zh-CN" altLang="en-US"/>
+          </a:p>
+          <a:p>
+            <a:r>
+              <a:rPr lang="zh-CN" altLang="en-US"/>
+              <a:t>local restyRedis = require('resty.redis')</a:t>
+            </a:r>
+            <a:endParaRPr lang="zh-CN" altLang="en-US"/>
+          </a:p>
+          <a:p>
+            <a:endParaRPr lang="zh-CN" altLang="en-US"/>
+          </a:p>
+          <a:p>
+            <a:r>
+              <a:rPr lang="zh-CN" altLang="en-US"/>
+              <a:t>local redisHandle = restyRedis:new()</a:t>
+            </a:r>
+            <a:endParaRPr lang="zh-CN" altLang="en-US"/>
+          </a:p>
+          <a:p>
+            <a:endParaRPr lang="zh-CN" altLang="en-US"/>
+          </a:p>
+          <a:p>
+            <a:r>
+              <a:rPr lang="zh-CN" altLang="en-US"/>
+              <a:t>local ok,err = redisHandle:connect('127.0.0.1',6379)</a:t>
+            </a:r>
+            <a:endParaRPr lang="zh-CN" altLang="en-US"/>
+          </a:p>
+          <a:p>
+            <a:endParaRPr lang="zh-CN" altLang="en-US"/>
+          </a:p>
+          <a:p>
+            <a:r>
+              <a:rPr lang="zh-CN" altLang="en-US"/>
+              <a:t>if ok then</a:t>
+            </a:r>
+            <a:endParaRPr lang="zh-CN" altLang="en-US"/>
+          </a:p>
+          <a:p>
+            <a:r>
+              <a:rPr lang="zh-CN" altLang="en-US"/>
+              <a:t>   local cityWeatherJson = redisHandle:get(cityCode)</a:t>
+            </a:r>
+            <a:endParaRPr lang="zh-CN" altLang="en-US"/>
+          </a:p>
+          <a:p>
+            <a:r>
+              <a:rPr lang="zh-CN" altLang="en-US"/>
+              <a:t>   if ngx.null ~= cityWeatherJson then</a:t>
+            </a:r>
+            <a:endParaRPr lang="zh-CN" altLang="en-US"/>
+          </a:p>
+          <a:p>
+            <a:r>
+              <a:rPr lang="zh-CN" altLang="en-US"/>
+              <a:t>     ngx.header['X-Data-By'] = 'redis'</a:t>
+            </a:r>
+            <a:endParaRPr lang="zh-CN" altLang="en-US"/>
+          </a:p>
+          <a:p>
+            <a:r>
+              <a:rPr lang="zh-CN" altLang="en-US"/>
+              <a:t>     ngx.say(cityWeatherJson)</a:t>
+            </a:r>
+            <a:endParaRPr lang="zh-CN" altLang="en-US"/>
+          </a:p>
+          <a:p>
+            <a:r>
+              <a:rPr lang="zh-CN" altLang="en-US"/>
+              <a:t>     ngx.eof()</a:t>
+            </a:r>
+            <a:endParaRPr lang="zh-CN" altLang="en-US"/>
+          </a:p>
+          <a:p>
+            <a:r>
+              <a:rPr lang="zh-CN" altLang="en-US"/>
+              <a:t>   end</a:t>
+            </a:r>
+            <a:endParaRPr lang="zh-CN" altLang="en-US"/>
+          </a:p>
+          <a:p>
+            <a:r>
+              <a:rPr lang="zh-CN" altLang="en-US"/>
+              <a:t>end</a:t>
+            </a:r>
+            <a:endParaRPr lang="zh-CN" altLang="en-US"/>
+          </a:p>
+          <a:p>
+            <a:endParaRPr lang="zh-CN" altLang="en-US"/>
+          </a:p>
+          <a:p>
+            <a:endParaRPr lang="zh-CN" altLang="en-US"/>
+          </a:p>
+          <a:p>
+            <a:r>
+              <a:rPr lang="zh-CN" altLang="en-US"/>
+              <a:t>local req = ngx.location.capture('/weather_internal',{</a:t>
+            </a:r>
+            <a:endParaRPr lang="zh-CN" altLang="en-US"/>
+          </a:p>
+          <a:p>
+            <a:r>
+              <a:rPr lang="zh-CN" altLang="en-US"/>
+              <a:t>  args={</a:t>
+            </a:r>
+            <a:endParaRPr lang="zh-CN" altLang="en-US"/>
+          </a:p>
+          <a:p>
+            <a:r>
+              <a:rPr lang="zh-CN" altLang="en-US"/>
+              <a:t>    cityCode = cityCode</a:t>
+            </a:r>
+            <a:endParaRPr lang="zh-CN" altLang="en-US"/>
+          </a:p>
+          <a:p>
+            <a:r>
+              <a:rPr lang="zh-CN" altLang="en-US"/>
+              <a:t>  }</a:t>
+            </a:r>
+            <a:endParaRPr lang="zh-CN" altLang="en-US"/>
+          </a:p>
+          <a:p>
+            <a:r>
+              <a:rPr lang="zh-CN" altLang="en-US"/>
+              <a:t>})</a:t>
+            </a:r>
+            <a:endParaRPr lang="zh-CN" altLang="en-US"/>
+          </a:p>
+          <a:p>
+            <a:endParaRPr lang="zh-CN" altLang="en-US"/>
+          </a:p>
+          <a:p>
+            <a:r>
+              <a:rPr lang="zh-CN" altLang="en-US"/>
+              <a:t>ngx.header['X-Data-By'] = 'http'</a:t>
+            </a:r>
+            <a:endParaRPr lang="zh-CN" altLang="en-US"/>
+          </a:p>
+          <a:p>
+            <a:endParaRPr lang="zh-CN" altLang="en-US"/>
+          </a:p>
+          <a:p>
+            <a:r>
+              <a:rPr lang="zh-CN" altLang="en-US"/>
+              <a:t>if req.status==200 then</a:t>
+            </a:r>
+            <a:endParaRPr lang="zh-CN" altLang="en-US"/>
+          </a:p>
+          <a:p>
+            <a:r>
+              <a:rPr lang="zh-CN" altLang="en-US"/>
+              <a:t>   redisHandle:set(cityCode,req.body)</a:t>
+            </a:r>
+            <a:endParaRPr lang="zh-CN" altLang="en-US"/>
+          </a:p>
+          <a:p>
+            <a:r>
+              <a:rPr lang="zh-CN" altLang="en-US"/>
+              <a:t>   ngx.say(req.body)</a:t>
+            </a:r>
+            <a:endParaRPr lang="zh-CN" altLang="en-US"/>
+          </a:p>
+          <a:p>
+            <a:r>
+              <a:rPr lang="zh-CN" altLang="en-US"/>
+              <a:t>else</a:t>
+            </a:r>
+            <a:endParaRPr lang="zh-CN" altLang="en-US"/>
+          </a:p>
+          <a:p>
+            <a:r>
+              <a:rPr lang="zh-CN" altLang="en-US"/>
+              <a:t>  local cjson = require('cjson')</a:t>
+            </a:r>
+            <a:endParaRPr lang="zh-CN" altLang="en-US"/>
+          </a:p>
+          <a:p>
+            <a:r>
+              <a:rPr lang="zh-CN" altLang="en-US"/>
+              <a:t>  ngx.say(cjson.encode({}))</a:t>
+            </a:r>
+            <a:endParaRPr lang="zh-CN" altLang="en-US"/>
+          </a:p>
+          <a:p>
+            <a:r>
+              <a:rPr lang="zh-CN" altLang="en-US"/>
+              <a:t>end</a:t>
+            </a:r>
+            <a:endParaRPr lang="zh-CN" altLang="en-US"/>
+          </a:p>
+        </p:txBody>
+      </p:sp>
+    </p:spTree>
+  </p:cSld>
+  <p:clrMapOvr>
+    <a:masterClrMapping/>
+  </p:clrMapOvr>
+</p:notes>
+</file>
+
+<file path=ppt/notesSlides/notesSlide5.xml><?xml version="1.0" encoding="utf-8"?>
+<p:notes xmlns:a="http://schemas.openxmlformats.org/drawingml/2006/main" xmlns:r="http://schemas.openxmlformats.org/officeDocument/2006/relationships" xmlns:p="http://schemas.openxmlformats.org/presentationml/2006/main">
+  <p:cSld>
+    <p:spTree>
+      <p:nvGrpSpPr>
+        <p:cNvPr id="1" name=""/>
+        <p:cNvGrpSpPr/>
+        <p:nvPr/>
+      </p:nvGrpSpPr>
+      <p:grpSpPr/>
+      <p:sp>
+        <p:nvSpPr>
+          <p:cNvPr id="2" name="幻灯片图像占位符 1"/>
+          <p:cNvSpPr/>
+          <p:nvPr>
+            <p:ph type="sldImg"/>
+          </p:nvPr>
+        </p:nvSpPr>
+        <p:spPr/>
+      </p:sp>
+      <p:sp>
+        <p:nvSpPr>
+          <p:cNvPr id="3" name="文本占位符 2"/>
+          <p:cNvSpPr/>
+          <p:nvPr>
+            <p:ph type="body" idx="1"/>
+          </p:nvPr>
+        </p:nvSpPr>
+        <p:spPr/>
+        <p:txBody>
+          <a:bodyPr/>
+          <a:p>
+            <a:r>
+              <a:rPr lang="en-US" altLang="zh-CN">
+                <a:sym typeface="+mn-ea"/>
+              </a:rPr>
+              <a:t>=================================weather.lua</a:t>
+            </a:r>
+            <a:r>
+              <a:rPr lang="zh-CN" altLang="en-US">
+                <a:sym typeface="+mn-ea"/>
+              </a:rPr>
+              <a:t>内容</a:t>
+            </a:r>
+            <a:r>
+              <a:rPr lang="en-US" altLang="zh-CN">
+                <a:sym typeface="+mn-ea"/>
+              </a:rPr>
+              <a:t>====================================</a:t>
+            </a:r>
+            <a:endParaRPr lang="en-US" altLang="zh-CN"/>
+          </a:p>
+          <a:p>
+            <a:r>
+              <a:rPr lang="en-US" altLang="zh-CN"/>
+              <a:t>local tools = require('tools')</a:t>
+            </a:r>
+            <a:endParaRPr lang="en-US" altLang="zh-CN"/>
+          </a:p>
+          <a:p>
+            <a:endParaRPr lang="en-US" altLang="zh-CN"/>
+          </a:p>
+          <a:p>
+            <a:r>
+              <a:rPr lang="en-US" altLang="zh-CN"/>
+              <a:t>local startTime= ngx.now()</a:t>
+            </a:r>
+            <a:endParaRPr lang="en-US" altLang="zh-CN"/>
+          </a:p>
+          <a:p>
+            <a:endParaRPr lang="en-US" altLang="zh-CN"/>
+          </a:p>
+          <a:p>
+            <a:r>
+              <a:rPr lang="en-US" altLang="zh-CN"/>
+              <a:t>local cityEName = ngx.var.geoip_city;</a:t>
+            </a:r>
+            <a:endParaRPr lang="en-US" altLang="zh-CN"/>
+          </a:p>
+          <a:p>
+            <a:endParaRPr lang="en-US" altLang="zh-CN"/>
+          </a:p>
+          <a:p>
+            <a:r>
+              <a:rPr lang="en-US" altLang="zh-CN"/>
+              <a:t>local getPrams = ngx.req.get_uri_args()</a:t>
+            </a:r>
+            <a:endParaRPr lang="en-US" altLang="zh-CN"/>
+          </a:p>
+          <a:p>
+            <a:endParaRPr lang="en-US" altLang="zh-CN"/>
+          </a:p>
+          <a:p>
+            <a:r>
+              <a:rPr lang="en-US" altLang="zh-CN"/>
+              <a:t>if getPrams['cityName'] ~=nil then</a:t>
+            </a:r>
+            <a:endParaRPr lang="en-US" altLang="zh-CN"/>
+          </a:p>
+          <a:p>
+            <a:r>
+              <a:rPr lang="en-US" altLang="zh-CN"/>
+              <a:t>  cityEName = getPrams['cityName']</a:t>
+            </a:r>
+            <a:endParaRPr lang="en-US" altLang="zh-CN"/>
+          </a:p>
+          <a:p>
+            <a:r>
+              <a:rPr lang="en-US" altLang="zh-CN"/>
+              <a:t>end</a:t>
+            </a:r>
+            <a:endParaRPr lang="en-US" altLang="zh-CN"/>
+          </a:p>
+          <a:p>
+            <a:endParaRPr lang="en-US" altLang="zh-CN"/>
+          </a:p>
+          <a:p>
+            <a:r>
+              <a:rPr lang="en-US" altLang="zh-CN"/>
+              <a:t>local getCityCode = require('get_city_code')</a:t>
+            </a:r>
+            <a:endParaRPr lang="en-US" altLang="zh-CN"/>
+          </a:p>
+          <a:p>
+            <a:endParaRPr lang="en-US" altLang="zh-CN"/>
+          </a:p>
+          <a:p>
+            <a:r>
+              <a:rPr lang="en-US" altLang="zh-CN"/>
+              <a:t>cityCode = getCityCode(cityEName)</a:t>
+            </a:r>
+            <a:endParaRPr lang="en-US" altLang="zh-CN"/>
+          </a:p>
+          <a:p>
+            <a:endParaRPr lang="en-US" altLang="zh-CN"/>
+          </a:p>
+          <a:p>
+            <a:r>
+              <a:rPr lang="en-US" altLang="zh-CN"/>
+              <a:t>if cityCode == nil then</a:t>
+            </a:r>
+            <a:endParaRPr lang="en-US" altLang="zh-CN"/>
+          </a:p>
+          <a:p>
+            <a:r>
+              <a:rPr lang="en-US" altLang="zh-CN"/>
+              <a:t>  cityCode = 101020100</a:t>
+            </a:r>
+            <a:endParaRPr lang="en-US" altLang="zh-CN"/>
+          </a:p>
+          <a:p>
+            <a:r>
+              <a:rPr lang="en-US" altLang="zh-CN"/>
+              <a:t>end</a:t>
+            </a:r>
+            <a:endParaRPr lang="en-US" altLang="zh-CN"/>
+          </a:p>
+          <a:p>
+            <a:endParaRPr lang="en-US" altLang="zh-CN"/>
+          </a:p>
+          <a:p>
+            <a:r>
+              <a:rPr lang="en-US" altLang="zh-CN"/>
+              <a:t>local restyRedis = require('resty.redis')</a:t>
+            </a:r>
+            <a:endParaRPr lang="en-US" altLang="zh-CN"/>
+          </a:p>
+          <a:p>
+            <a:endParaRPr lang="en-US" altLang="zh-CN"/>
+          </a:p>
+          <a:p>
+            <a:r>
+              <a:rPr lang="en-US" altLang="zh-CN"/>
+              <a:t>local redisHandle = restyRedis:new()</a:t>
+            </a:r>
+            <a:endParaRPr lang="en-US" altLang="zh-CN"/>
+          </a:p>
+          <a:p>
+            <a:endParaRPr lang="en-US" altLang="zh-CN"/>
+          </a:p>
+          <a:p>
+            <a:r>
+              <a:rPr lang="en-US" altLang="zh-CN"/>
+              <a:t>local ok,err = redisHandle:connect('127.0.0.1',6379)</a:t>
+            </a:r>
+            <a:endParaRPr lang="en-US" altLang="zh-CN"/>
+          </a:p>
+          <a:p>
+            <a:endParaRPr lang="en-US" altLang="zh-CN"/>
+          </a:p>
+          <a:p>
+            <a:r>
+              <a:rPr lang="en-US" altLang="zh-CN"/>
+              <a:t>if ok then</a:t>
+            </a:r>
+            <a:endParaRPr lang="en-US" altLang="zh-CN"/>
+          </a:p>
+          <a:p>
+            <a:r>
+              <a:rPr lang="en-US" altLang="zh-CN"/>
+              <a:t>   local cityWeatherJson = redisHandle:get(cityCode)</a:t>
+            </a:r>
+            <a:endParaRPr lang="en-US" altLang="zh-CN"/>
+          </a:p>
+          <a:p>
+            <a:r>
+              <a:rPr lang="en-US" altLang="zh-CN"/>
+              <a:t>   if ngx.null ~= cityWeatherJson then</a:t>
+            </a:r>
+            <a:endParaRPr lang="en-US" altLang="zh-CN"/>
+          </a:p>
+          <a:p>
+            <a:r>
+              <a:rPr lang="en-US" altLang="zh-CN"/>
+              <a:t>     ngx.header['X-Data-By'] = 'redis'</a:t>
+            </a:r>
+            <a:endParaRPr lang="en-US" altLang="zh-CN"/>
+          </a:p>
+          <a:p>
+            <a:r>
+              <a:rPr lang="en-US" altLang="zh-CN"/>
+              <a:t>     ngx.header['X-Cost-Time'] = tools.getCostTime(startTime,ngx.now())</a:t>
+            </a:r>
+            <a:endParaRPr lang="en-US" altLang="zh-CN"/>
+          </a:p>
+          <a:p>
+            <a:r>
+              <a:rPr lang="en-US" altLang="zh-CN"/>
+              <a:t>     ngx.say(cityWeatherJson)</a:t>
+            </a:r>
+            <a:endParaRPr lang="en-US" altLang="zh-CN"/>
+          </a:p>
+          <a:p>
+            <a:r>
+              <a:rPr lang="en-US" altLang="zh-CN"/>
+              <a:t>     ngx.eof()</a:t>
+            </a:r>
+            <a:endParaRPr lang="en-US" altLang="zh-CN"/>
+          </a:p>
+          <a:p>
+            <a:r>
+              <a:rPr lang="en-US" altLang="zh-CN"/>
+              <a:t>   end</a:t>
+            </a:r>
+            <a:endParaRPr lang="en-US" altLang="zh-CN"/>
+          </a:p>
+          <a:p>
+            <a:r>
+              <a:rPr lang="en-US" altLang="zh-CN"/>
+              <a:t>end</a:t>
+            </a:r>
+            <a:endParaRPr lang="en-US" altLang="zh-CN"/>
+          </a:p>
+          <a:p>
+            <a:endParaRPr lang="en-US" altLang="zh-CN"/>
+          </a:p>
+          <a:p>
+            <a:endParaRPr lang="en-US" altLang="zh-CN"/>
+          </a:p>
+          <a:p>
+            <a:r>
+              <a:rPr lang="en-US" altLang="zh-CN"/>
+              <a:t>local req = ngx.location.capture('/weather_internal',{</a:t>
+            </a:r>
+            <a:endParaRPr lang="en-US" altLang="zh-CN"/>
+          </a:p>
+          <a:p>
+            <a:r>
+              <a:rPr lang="en-US" altLang="zh-CN"/>
+              <a:t>  args={</a:t>
+            </a:r>
+            <a:endParaRPr lang="en-US" altLang="zh-CN"/>
+          </a:p>
+          <a:p>
+            <a:r>
+              <a:rPr lang="en-US" altLang="zh-CN"/>
+              <a:t>    cityCode = cityCode</a:t>
+            </a:r>
+            <a:endParaRPr lang="en-US" altLang="zh-CN"/>
+          </a:p>
+          <a:p>
+            <a:r>
+              <a:rPr lang="en-US" altLang="zh-CN"/>
+              <a:t>  }</a:t>
+            </a:r>
+            <a:endParaRPr lang="en-US" altLang="zh-CN"/>
+          </a:p>
+          <a:p>
+            <a:r>
+              <a:rPr lang="en-US" altLang="zh-CN"/>
+              <a:t>})</a:t>
+            </a:r>
+            <a:endParaRPr lang="en-US" altLang="zh-CN"/>
+          </a:p>
+          <a:p>
+            <a:endParaRPr lang="en-US" altLang="zh-CN"/>
+          </a:p>
+          <a:p>
+            <a:r>
+              <a:rPr lang="en-US" altLang="zh-CN"/>
+              <a:t>ngx.header['X-Data-By'] = 'http'</a:t>
+            </a:r>
+            <a:endParaRPr lang="en-US" altLang="zh-CN"/>
+          </a:p>
+          <a:p>
+            <a:endParaRPr lang="en-US" altLang="zh-CN"/>
+          </a:p>
+          <a:p>
+            <a:r>
+              <a:rPr lang="en-US" altLang="zh-CN"/>
+              <a:t>if req.status==200 then</a:t>
+            </a:r>
+            <a:endParaRPr lang="en-US" altLang="zh-CN"/>
+          </a:p>
+          <a:p>
+            <a:r>
+              <a:rPr lang="en-US" altLang="zh-CN"/>
+              <a:t>   redisHandle:set(cityCode,req.body)</a:t>
+            </a:r>
+            <a:endParaRPr lang="en-US" altLang="zh-CN"/>
+          </a:p>
+          <a:p>
+            <a:r>
+              <a:rPr lang="en-US" altLang="zh-CN"/>
+              <a:t>   ngx.header['X-Cost-Time'] = tools.getCostTime(startTime,ngx.now())</a:t>
+            </a:r>
+            <a:endParaRPr lang="en-US" altLang="zh-CN"/>
+          </a:p>
+          <a:p>
+            <a:r>
+              <a:rPr lang="en-US" altLang="zh-CN"/>
+              <a:t>   ngx.say(req.body)</a:t>
+            </a:r>
+            <a:endParaRPr lang="en-US" altLang="zh-CN"/>
+          </a:p>
+          <a:p>
+            <a:r>
+              <a:rPr lang="en-US" altLang="zh-CN"/>
+              <a:t>else</a:t>
+            </a:r>
+            <a:endParaRPr lang="en-US" altLang="zh-CN"/>
+          </a:p>
+          <a:p>
+            <a:r>
+              <a:rPr lang="en-US" altLang="zh-CN"/>
+              <a:t>  local cjson = require('cjson')</a:t>
+            </a:r>
+            <a:endParaRPr lang="en-US" altLang="zh-CN"/>
+          </a:p>
+          <a:p>
+            <a:r>
+              <a:rPr lang="en-US" altLang="zh-CN"/>
+              <a:t>  ngx.say(cjson.encode({}))</a:t>
+            </a:r>
+            <a:endParaRPr lang="en-US" altLang="zh-CN"/>
+          </a:p>
+          <a:p>
+            <a:r>
+              <a:rPr lang="en-US" altLang="zh-CN"/>
+              <a:t>end</a:t>
+            </a:r>
+            <a:endParaRPr lang="en-US" altLang="zh-CN"/>
+          </a:p>
+          <a:p>
+            <a:r>
+              <a:rPr lang="en-US" altLang="zh-CN">
+                <a:sym typeface="+mn-ea"/>
+              </a:rPr>
+              <a:t>=================================weather.lua</a:t>
+            </a:r>
+            <a:r>
+              <a:rPr lang="zh-CN" altLang="en-US">
+                <a:sym typeface="+mn-ea"/>
+              </a:rPr>
+              <a:t>内容</a:t>
+            </a:r>
+            <a:r>
+              <a:rPr lang="en-US" altLang="zh-CN">
+                <a:sym typeface="+mn-ea"/>
+              </a:rPr>
+              <a:t>====================================</a:t>
+            </a:r>
+            <a:endParaRPr lang="zh-CN" altLang="en-US"/>
+          </a:p>
+          <a:p>
+            <a:endParaRPr lang="zh-CN" altLang="en-US"/>
+          </a:p>
+          <a:p>
+            <a:endParaRPr lang="zh-CN" altLang="en-US"/>
+          </a:p>
+          <a:p>
+            <a:r>
+              <a:rPr lang="en-US" altLang="zh-CN">
+                <a:sym typeface="+mn-ea"/>
+              </a:rPr>
+              <a:t>=================================tools</a:t>
+            </a:r>
+            <a:r>
+              <a:rPr lang="en-US" altLang="zh-CN">
+                <a:sym typeface="+mn-ea"/>
+              </a:rPr>
+              <a:t>.lua</a:t>
+            </a:r>
+            <a:r>
+              <a:rPr lang="zh-CN" altLang="en-US">
+                <a:sym typeface="+mn-ea"/>
+              </a:rPr>
+              <a:t>内容</a:t>
+            </a:r>
+            <a:r>
+              <a:rPr lang="en-US" altLang="zh-CN">
+                <a:sym typeface="+mn-ea"/>
+              </a:rPr>
+              <a:t>====================================</a:t>
+            </a:r>
+            <a:endParaRPr lang="zh-CN" altLang="en-US"/>
+          </a:p>
+          <a:p>
+            <a:r>
+              <a:rPr lang="zh-CN" altLang="en-US"/>
+              <a:t>local tools = {}</a:t>
+            </a:r>
+            <a:endParaRPr lang="zh-CN" altLang="en-US"/>
+          </a:p>
+          <a:p>
+            <a:endParaRPr lang="zh-CN" altLang="en-US"/>
+          </a:p>
+          <a:p>
+            <a:r>
+              <a:rPr lang="zh-CN" altLang="en-US"/>
+              <a:t>tools.getCostTime = function (startTime,endTime)</a:t>
+            </a:r>
+            <a:endParaRPr lang="zh-CN" altLang="en-US"/>
+          </a:p>
+          <a:p>
+            <a:r>
+              <a:rPr lang="zh-CN" altLang="en-US"/>
+              <a:t>   return string.format('%.2f%s',(endTime-startTime)*1000,'ms')</a:t>
+            </a:r>
+            <a:endParaRPr lang="zh-CN" altLang="en-US"/>
+          </a:p>
+          <a:p>
+            <a:r>
+              <a:rPr lang="zh-CN" altLang="en-US"/>
+              <a:t>end</a:t>
+            </a:r>
+            <a:endParaRPr lang="zh-CN" altLang="en-US"/>
+          </a:p>
+          <a:p>
+            <a:endParaRPr lang="zh-CN" altLang="en-US"/>
+          </a:p>
+          <a:p>
+            <a:r>
+              <a:rPr lang="zh-CN" altLang="en-US"/>
+              <a:t>return tools</a:t>
+            </a:r>
+            <a:endParaRPr lang="zh-CN" altLang="en-US"/>
+          </a:p>
+          <a:p>
+            <a:r>
+              <a:rPr lang="en-US" altLang="zh-CN">
+                <a:sym typeface="+mn-ea"/>
+              </a:rPr>
+              <a:t>=================================tools.lua</a:t>
+            </a:r>
+            <a:r>
+              <a:rPr lang="zh-CN" altLang="en-US">
+                <a:sym typeface="+mn-ea"/>
+              </a:rPr>
+              <a:t>内容</a:t>
+            </a:r>
+            <a:r>
+              <a:rPr lang="en-US" altLang="zh-CN">
+                <a:sym typeface="+mn-ea"/>
+              </a:rPr>
+              <a:t>====================================</a:t>
+            </a:r>
+            <a:endParaRPr lang="zh-CN" altLang="en-US">
+              <a:sym typeface="+mn-ea"/>
+            </a:endParaRPr>
+          </a:p>
+          <a:p>
+            <a:endParaRPr lang="zh-CN" altLang="en-US">
+              <a:sym typeface="+mn-ea"/>
+            </a:endParaRPr>
+          </a:p>
+          <a:p>
+            <a:endParaRPr lang="zh-CN" altLang="en-US">
+              <a:sym typeface="+mn-ea"/>
+            </a:endParaRPr>
+          </a:p>
+          <a:p>
+            <a:r>
+              <a:rPr lang="en-US" altLang="zh-CN">
+                <a:sym typeface="+mn-ea"/>
+              </a:rPr>
+              <a:t>=================================</a:t>
+            </a:r>
+            <a:r>
+              <a:rPr lang="zh-CN" altLang="en-US">
+                <a:sym typeface="+mn-ea"/>
+              </a:rPr>
+              <a:t>测试</a:t>
+            </a:r>
+            <a:r>
+              <a:rPr lang="en-US" altLang="zh-CN">
+                <a:sym typeface="+mn-ea"/>
+              </a:rPr>
+              <a:t>====================================</a:t>
+            </a:r>
+            <a:endParaRPr lang="zh-CN" altLang="en-US">
+              <a:sym typeface="+mn-ea"/>
+            </a:endParaRPr>
+          </a:p>
+          <a:p>
+            <a:r>
+              <a:rPr lang="zh-CN" altLang="en-US"/>
+              <a:t>测试：</a:t>
+            </a:r>
+            <a:r>
+              <a:rPr lang="zh-CN" altLang="en-US"/>
+              <a:t>curl -iI "http://47.93.191.207/weather?cityName=shanghai"</a:t>
+            </a:r>
+            <a:endParaRPr lang="zh-CN" altLang="en-US"/>
+          </a:p>
+          <a:p>
+            <a:endParaRPr lang="zh-CN" altLang="en-US"/>
+          </a:p>
+          <a:p>
+            <a:endParaRPr lang="zh-CN" altLang="en-US"/>
+          </a:p>
+          <a:p>
+            <a:r>
+              <a:rPr lang="zh-CN" altLang="en-US">
+                <a:sym typeface="+mn-ea"/>
+              </a:rPr>
+              <a:t>测试</a:t>
+            </a:r>
+            <a:r>
+              <a:rPr lang="zh-CN" altLang="en-US"/>
+              <a:t>结果</a:t>
+            </a:r>
+            <a:r>
+              <a:rPr lang="en-US" altLang="zh-CN"/>
+              <a:t>1</a:t>
+            </a:r>
+            <a:r>
+              <a:rPr lang="zh-CN" altLang="en-US"/>
+              <a:t>：</a:t>
+            </a:r>
+            <a:endParaRPr lang="zh-CN" altLang="en-US"/>
+          </a:p>
+          <a:p>
+            <a:r>
+              <a:rPr lang="zh-CN" altLang="en-US"/>
+              <a:t>HTTP/1.1 200 OK</a:t>
+            </a:r>
+            <a:endParaRPr lang="zh-CN" altLang="en-US"/>
+          </a:p>
+          <a:p>
+            <a:r>
+              <a:rPr lang="zh-CN" altLang="en-US"/>
+              <a:t>Server: openresty/1.11.2.2</a:t>
+            </a:r>
+            <a:endParaRPr lang="zh-CN" altLang="en-US"/>
+          </a:p>
+          <a:p>
+            <a:r>
+              <a:rPr lang="zh-CN" altLang="en-US"/>
+              <a:t>Date: Sun, 18 Nov 2018 08:18:27 GMT</a:t>
+            </a:r>
+            <a:endParaRPr lang="zh-CN" altLang="en-US"/>
+          </a:p>
+          <a:p>
+            <a:r>
+              <a:rPr lang="zh-CN" altLang="en-US"/>
+              <a:t>Content-Type: text/plain; charset=utf-8</a:t>
+            </a:r>
+            <a:endParaRPr lang="zh-CN" altLang="en-US"/>
+          </a:p>
+          <a:p>
+            <a:r>
+              <a:rPr lang="zh-CN" altLang="en-US"/>
+              <a:t>Connection: keep-alive</a:t>
+            </a:r>
+            <a:endParaRPr lang="zh-CN" altLang="en-US"/>
+          </a:p>
+          <a:p>
+            <a:r>
+              <a:rPr lang="zh-CN" altLang="en-US" b="1"/>
+              <a:t>X-Data-By: http</a:t>
+            </a:r>
+            <a:endParaRPr lang="zh-CN" altLang="en-US" b="1"/>
+          </a:p>
+          <a:p>
+            <a:r>
+              <a:rPr lang="zh-CN" altLang="en-US" b="1"/>
+              <a:t>X-Cost-Time: 118.00ms</a:t>
+            </a:r>
+            <a:endParaRPr lang="zh-CN" altLang="en-US"/>
+          </a:p>
+          <a:p>
+            <a:endParaRPr lang="zh-CN" altLang="en-US"/>
+          </a:p>
+          <a:p>
+            <a:endParaRPr lang="zh-CN" altLang="en-US"/>
+          </a:p>
+          <a:p>
+            <a:r>
+              <a:rPr lang="zh-CN" altLang="en-US">
+                <a:sym typeface="+mn-ea"/>
+              </a:rPr>
+              <a:t>测试</a:t>
+            </a:r>
+            <a:r>
+              <a:rPr lang="zh-CN" altLang="en-US">
+                <a:sym typeface="+mn-ea"/>
+              </a:rPr>
+              <a:t>结果</a:t>
+            </a:r>
+            <a:r>
+              <a:rPr lang="en-US" altLang="zh-CN">
+                <a:sym typeface="+mn-ea"/>
+              </a:rPr>
+              <a:t>2</a:t>
+            </a:r>
+            <a:r>
+              <a:rPr lang="zh-CN" altLang="en-US">
+                <a:ea typeface="宋体" panose="02010600030101010101" pitchFamily="2" charset="-122"/>
+                <a:sym typeface="+mn-ea"/>
+              </a:rPr>
+              <a:t>：</a:t>
+            </a:r>
+            <a:endParaRPr lang="zh-CN" altLang="en-US"/>
+          </a:p>
+          <a:p>
+            <a:r>
+              <a:rPr lang="zh-CN" altLang="en-US"/>
+              <a:t>HTTP/1.1 200 OK</a:t>
+            </a:r>
+            <a:endParaRPr lang="zh-CN" altLang="en-US"/>
+          </a:p>
+          <a:p>
+            <a:r>
+              <a:rPr lang="zh-CN" altLang="en-US"/>
+              <a:t>Server: openresty/1.11.2.2</a:t>
+            </a:r>
+            <a:endParaRPr lang="zh-CN" altLang="en-US"/>
+          </a:p>
+          <a:p>
+            <a:r>
+              <a:rPr lang="zh-CN" altLang="en-US"/>
+              <a:t>Date: Sun, 18 Nov 2018 08:19:30 GMT</a:t>
+            </a:r>
+            <a:endParaRPr lang="zh-CN" altLang="en-US"/>
+          </a:p>
+          <a:p>
+            <a:r>
+              <a:rPr lang="zh-CN" altLang="en-US"/>
+              <a:t>Content-Type: text/plain; charset=utf-8</a:t>
+            </a:r>
+            <a:endParaRPr lang="zh-CN" altLang="en-US"/>
+          </a:p>
+          <a:p>
+            <a:r>
+              <a:rPr lang="zh-CN" altLang="en-US"/>
+              <a:t>Connection: keep-alive</a:t>
+            </a:r>
+            <a:endParaRPr lang="zh-CN" altLang="en-US"/>
+          </a:p>
+          <a:p>
+            <a:r>
+              <a:rPr lang="zh-CN" altLang="en-US" b="1"/>
+              <a:t>X-Data-By: redis</a:t>
+            </a:r>
+            <a:endParaRPr lang="zh-CN" altLang="en-US"/>
+          </a:p>
+          <a:p>
+            <a:r>
+              <a:rPr lang="zh-CN" altLang="en-US" b="1"/>
+              <a:t>X-Cost-Time: 0.00ms</a:t>
+            </a:r>
+            <a:endParaRPr lang="zh-CN" altLang="en-US" b="1"/>
+          </a:p>
+        </p:txBody>
+      </p:sp>
+    </p:spTree>
+  </p:cSld>
+  <p:clrMapOvr>
+    <a:masterClrMapping/>
+  </p:clrMapOvr>
+</p:notes>
+</file>
+
+<file path=ppt/notesSlides/notesSlide6.xml><?xml version="1.0" encoding="utf-8"?>
 <p:notes xmlns:a="http://schemas.openxmlformats.org/drawingml/2006/main" xmlns:r="http://schemas.openxmlformats.org/officeDocument/2006/relationships" xmlns:p="http://schemas.openxmlformats.org/presentationml/2006/main">
   <p:cSld>
     <p:spTree>
@@ -5585,8 +7727,8 @@
         </p:nvSpPr>
         <p:spPr>
           <a:xfrm>
-            <a:off x="956928" y="1485578"/>
-            <a:ext cx="10200541" cy="718443"/>
+            <a:off x="303530" y="1485265"/>
+            <a:ext cx="11706225" cy="718185"/>
           </a:xfrm>
           <a:prstGeom prst="rect">
             <a:avLst/>
@@ -5654,6 +7796,10 @@
           </p:nvPr>
         </p:nvSpPr>
         <p:spPr>
+          <a:xfrm>
+            <a:off x="304165" y="2349500"/>
+            <a:ext cx="10835005" cy="2952750"/>
+          </a:xfrm>
           <a:prstGeom prst="rect">
             <a:avLst/>
           </a:prstGeom>
@@ -5664,6 +7810,16 @@
           <a:p>
             <a:pPr latinLnBrk="1"/>
             <a:r>
+              <a:rPr lang="en-US" altLang="zh-CN" dirty="0"/>
+              <a:t>1</a:t>
+            </a:r>
+            <a:r>
+              <a:rPr lang="zh-CN" altLang="en-US" dirty="0">
+                <a:ea typeface="宋体" panose="02010600030101010101" pitchFamily="2" charset="-122"/>
+              </a:rPr>
+              <a:t>、</a:t>
+            </a:r>
+            <a:r>
               <a:rPr lang="zh-CN" altLang="en-US" dirty="0"/>
               <a:t>根据用户</a:t>
             </a:r>
@@ -5686,6 +7842,42 @@
             <a:r>
               <a:rPr lang="en-US" altLang="zh-CN" dirty="0"/>
               <a:t>map</a:t>
+            </a:r>
+            <a:endParaRPr lang="en-US" altLang="zh-CN" dirty="0"/>
+          </a:p>
+          <a:p>
+            <a:pPr latinLnBrk="1"/>
+            <a:r>
+              <a:rPr lang="en-US" altLang="zh-CN" dirty="0"/>
+              <a:t>2</a:t>
+            </a:r>
+            <a:r>
+              <a:rPr lang="zh-CN" altLang="en-US" dirty="0">
+                <a:ea typeface="宋体" panose="02010600030101010101" pitchFamily="2" charset="-122"/>
+              </a:rPr>
+              <a:t>、</a:t>
+            </a:r>
+            <a:r>
+              <a:rPr lang="zh-CN" altLang="en-US" dirty="0"/>
+              <a:t>根据城市名称获取城市编码</a:t>
+            </a:r>
+            <a:endParaRPr lang="zh-CN" altLang="en-US" dirty="0"/>
+          </a:p>
+          <a:p>
+            <a:pPr latinLnBrk="1"/>
+            <a:r>
+              <a:rPr lang="en-US" altLang="zh-CN" dirty="0"/>
+              <a:t>3</a:t>
+            </a:r>
+            <a:r>
+              <a:rPr lang="zh-CN" altLang="en-US" dirty="0">
+                <a:ea typeface="宋体" panose="02010600030101010101" pitchFamily="2" charset="-122"/>
+              </a:rPr>
+              <a:t>、</a:t>
+            </a:r>
+            <a:r>
+              <a:rPr lang="zh-CN" altLang="en-US" dirty="0"/>
+              <a:t>根据城市编码查询天气</a:t>
             </a:r>
             <a:endParaRPr lang="zh-CN" altLang="en-US" dirty="0"/>
           </a:p>
